--- a/Project/lasFE/ProjectReport/lasFE.pptx
+++ b/Project/lasFE/ProjectReport/lasFE.pptx
@@ -15,6 +15,7 @@
     <p:sldId id="265" r:id="rId9"/>
     <p:sldId id="258" r:id="rId10"/>
     <p:sldId id="259" r:id="rId11"/>
+    <p:sldId id="266" r:id="rId12"/>
   </p:sldIdLst>
   <p:sldSz cx="9144000" cy="6858000" type="screen4x3"/>
   <p:notesSz cx="6858000" cy="9144000"/>
@@ -3306,7 +3307,7 @@
             <a:pPr lvl="1"/>
             <a:r>
               <a:rPr lang="en-US" sz="3800" dirty="0"/>
-              <a:t>Graded approach ensures all levels of analysis are commensurate with safety, the DOE’s mission, or other relevant factors</a:t>
+              <a:t>Graded approach ensures all levels of analysis are commensurate with safety, the DOE’s mission, or other relevant factors [8]</a:t>
             </a:r>
           </a:p>
           <a:p>
@@ -3364,6 +3365,328 @@
     <p:extLst>
       <p:ext uri="{BB962C8B-B14F-4D97-AF65-F5344CB8AC3E}">
         <p14:creationId xmlns:p14="http://schemas.microsoft.com/office/powerpoint/2010/main" val="1798719618"/>
+      </p:ext>
+    </p:extLst>
+  </p:cSld>
+  <p:clrMapOvr>
+    <a:masterClrMapping/>
+  </p:clrMapOvr>
+</p:sld>
+</file>
+
+<file path=ppt/slides/slide11.xml><?xml version="1.0" encoding="utf-8"?>
+<p:sld xmlns:a="http://schemas.openxmlformats.org/drawingml/2006/main" xmlns:r="http://schemas.openxmlformats.org/officeDocument/2006/relationships" xmlns:p="http://schemas.openxmlformats.org/presentationml/2006/main">
+  <p:cSld>
+    <p:spTree>
+      <p:nvGrpSpPr>
+        <p:cNvPr id="1" name=""/>
+        <p:cNvGrpSpPr/>
+        <p:nvPr/>
+      </p:nvGrpSpPr>
+      <p:grpSpPr>
+        <a:xfrm>
+          <a:off x="0" y="0"/>
+          <a:ext cx="0" cy="0"/>
+          <a:chOff x="0" y="0"/>
+          <a:chExt cx="0" cy="0"/>
+        </a:xfrm>
+      </p:grpSpPr>
+      <p:sp>
+        <p:nvSpPr>
+          <p:cNvPr id="2" name="Title 1">
+            <a:extLst>
+              <a:ext uri="{FF2B5EF4-FFF2-40B4-BE49-F238E27FC236}">
+                <a16:creationId xmlns:a16="http://schemas.microsoft.com/office/drawing/2014/main" id="{B13AE00D-FF48-A53E-8551-7B5DEAAA78B7}"/>
+              </a:ext>
+            </a:extLst>
+          </p:cNvPr>
+          <p:cNvSpPr>
+            <a:spLocks noGrp="1"/>
+          </p:cNvSpPr>
+          <p:nvPr>
+            <p:ph type="title"/>
+          </p:nvPr>
+        </p:nvSpPr>
+        <p:spPr/>
+        <p:txBody>
+          <a:bodyPr/>
+          <a:lstStyle/>
+          <a:p>
+            <a:r>
+              <a:rPr lang="en-US" dirty="0"/>
+              <a:t>Bibliography</a:t>
+            </a:r>
+          </a:p>
+        </p:txBody>
+      </p:sp>
+      <p:sp>
+        <p:nvSpPr>
+          <p:cNvPr id="3" name="Content Placeholder 2">
+            <a:extLst>
+              <a:ext uri="{FF2B5EF4-FFF2-40B4-BE49-F238E27FC236}">
+                <a16:creationId xmlns:a16="http://schemas.microsoft.com/office/drawing/2014/main" id="{6A287B60-CC02-CD1E-0FF4-15243F4E9F01}"/>
+              </a:ext>
+            </a:extLst>
+          </p:cNvPr>
+          <p:cNvSpPr>
+            <a:spLocks noGrp="1"/>
+          </p:cNvSpPr>
+          <p:nvPr>
+            <p:ph idx="1"/>
+          </p:nvPr>
+        </p:nvSpPr>
+        <p:spPr/>
+        <p:txBody>
+          <a:bodyPr>
+            <a:normAutofit fontScale="92500" lnSpcReduction="20000"/>
+          </a:bodyPr>
+          <a:lstStyle/>
+          <a:p>
+            <a:pPr>
+              <a:buFont typeface="+mj-lt"/>
+              <a:buAutoNum type="arabicPeriod"/>
+            </a:pPr>
+            <a:r>
+              <a:rPr lang="es-ES" sz="1800" dirty="0">
+                <a:effectLst/>
+              </a:rPr>
+              <a:t>TSI, “Laser Aerosol </a:t>
+            </a:r>
+            <a:r>
+              <a:rPr lang="es-ES" sz="1800" dirty="0" err="1">
+                <a:effectLst/>
+              </a:rPr>
+              <a:t>Spectrometer</a:t>
+            </a:r>
+            <a:r>
+              <a:rPr lang="es-ES" sz="1800" dirty="0">
+                <a:effectLst/>
+              </a:rPr>
+              <a:t> 3340A,”https://tsi.com/products/</a:t>
+            </a:r>
+            <a:r>
+              <a:rPr lang="es-ES" sz="1800" dirty="0" err="1">
+                <a:effectLst/>
+              </a:rPr>
+              <a:t>particle-sizers</a:t>
+            </a:r>
+            <a:r>
+              <a:rPr lang="es-ES" sz="1800" dirty="0">
+                <a:effectLst/>
+              </a:rPr>
+              <a:t>/</a:t>
+            </a:r>
+            <a:r>
+              <a:rPr lang="es-ES" sz="1800" dirty="0" err="1">
+                <a:effectLst/>
+              </a:rPr>
+              <a:t>supermicron-capable-particle-sizer-spectrometers</a:t>
+            </a:r>
+            <a:r>
+              <a:rPr lang="es-ES" sz="1800" dirty="0">
+                <a:effectLst/>
+              </a:rPr>
+              <a:t>/laser-aerosol-</a:t>
+            </a:r>
+            <a:r>
+              <a:rPr lang="es-ES" sz="1800" dirty="0" err="1">
+                <a:effectLst/>
+              </a:rPr>
+              <a:t>spectrometer</a:t>
+            </a:r>
+            <a:r>
+              <a:rPr lang="es-ES" sz="1800" dirty="0">
+                <a:effectLst/>
+              </a:rPr>
+              <a:t>-(las)-3340a/.</a:t>
+            </a:r>
+          </a:p>
+          <a:p>
+            <a:pPr>
+              <a:buFont typeface="+mj-lt"/>
+              <a:buAutoNum type="arabicPeriod"/>
+            </a:pPr>
+            <a:r>
+              <a:rPr lang="en-US" sz="1800" dirty="0">
+                <a:effectLst/>
+              </a:rPr>
+              <a:t>W. C. Hinds, </a:t>
+            </a:r>
+            <a:r>
+              <a:rPr lang="en-US" sz="1800" i="1" dirty="0">
+                <a:effectLst/>
+              </a:rPr>
+              <a:t>Aerosol Technology</a:t>
+            </a:r>
+            <a:r>
+              <a:rPr lang="en-US" sz="1800" dirty="0">
+                <a:effectLst/>
+              </a:rPr>
+              <a:t>, 2nd ed. (Wiley Inter-Science, 1999)</a:t>
+            </a:r>
+          </a:p>
+          <a:p>
+            <a:pPr>
+              <a:buFont typeface="+mj-lt"/>
+              <a:buAutoNum type="arabicPeriod"/>
+            </a:pPr>
+            <a:r>
+              <a:rPr lang="en-US" sz="1800" dirty="0">
+                <a:effectLst/>
+              </a:rPr>
+              <a:t>M. </a:t>
+            </a:r>
+            <a:r>
+              <a:rPr lang="en-US" sz="1800" dirty="0" err="1">
+                <a:effectLst/>
+              </a:rPr>
+              <a:t>Lourakis</a:t>
+            </a:r>
+            <a:r>
+              <a:rPr lang="en-US" sz="1800" dirty="0">
+                <a:effectLst/>
+              </a:rPr>
+              <a:t>, A Brief Description of the Levenberg-Marquardt Algorithm Implemented by </a:t>
+            </a:r>
+            <a:r>
+              <a:rPr lang="en-US" sz="1800" dirty="0" err="1">
+                <a:effectLst/>
+              </a:rPr>
+              <a:t>Levmar</a:t>
+            </a:r>
+            <a:r>
+              <a:rPr lang="en-US" sz="1800" dirty="0">
+                <a:effectLst/>
+              </a:rPr>
+              <a:t> 4 (2005)</a:t>
+            </a:r>
+            <a:endParaRPr lang="en-US" sz="1800" dirty="0"/>
+          </a:p>
+          <a:p>
+            <a:pPr>
+              <a:buFont typeface="+mj-lt"/>
+              <a:buAutoNum type="arabicPeriod"/>
+            </a:pPr>
+            <a:r>
+              <a:rPr lang="en-US" sz="1800" dirty="0">
+                <a:effectLst/>
+              </a:rPr>
+              <a:t>K. </a:t>
+            </a:r>
+            <a:r>
+              <a:rPr lang="en-US" sz="1800" dirty="0" err="1">
+                <a:effectLst/>
+              </a:rPr>
+              <a:t>Vogklis</a:t>
+            </a:r>
+            <a:r>
+              <a:rPr lang="en-US" sz="1800" dirty="0">
+                <a:effectLst/>
+              </a:rPr>
+              <a:t> and I. </a:t>
+            </a:r>
+            <a:r>
+              <a:rPr lang="en-US" sz="1800" dirty="0" err="1">
+                <a:effectLst/>
+              </a:rPr>
+              <a:t>Lagaris</a:t>
+            </a:r>
+            <a:r>
+              <a:rPr lang="en-US" sz="1800" dirty="0">
+                <a:effectLst/>
+              </a:rPr>
+              <a:t>, “A rectangular trust-region approach for unconstrained and box-constrained optimization problems,” (2019) pp. 562–565.</a:t>
+            </a:r>
+          </a:p>
+          <a:p>
+            <a:pPr>
+              <a:buFont typeface="+mj-lt"/>
+              <a:buAutoNum type="arabicPeriod"/>
+            </a:pPr>
+            <a:r>
+              <a:rPr lang="en-US" sz="1800" dirty="0" err="1">
+                <a:effectLst/>
+              </a:rPr>
+              <a:t>Scipy</a:t>
+            </a:r>
+            <a:r>
+              <a:rPr lang="en-US" sz="1800" dirty="0">
+                <a:effectLst/>
+              </a:rPr>
+              <a:t> Manual, </a:t>
+            </a:r>
+            <a:r>
+              <a:rPr lang="en-US" sz="1800" dirty="0" err="1">
+                <a:effectLst/>
+              </a:rPr>
+              <a:t>optimize.curve_fit</a:t>
+            </a:r>
+            <a:r>
+              <a:rPr lang="en-US" sz="1800" dirty="0">
+                <a:effectLst/>
+              </a:rPr>
+              <a:t>(), https://docs.scipy.org/doc/scipy/reference/generated/scipy.</a:t>
+            </a:r>
+            <a:br>
+              <a:rPr lang="en-US" sz="1800" dirty="0"/>
+            </a:br>
+            <a:r>
+              <a:rPr lang="en-US" sz="1800" dirty="0" err="1">
+                <a:effectLst/>
+              </a:rPr>
+              <a:t>optimize.curve_fit.html#scipy.optimize.c</a:t>
+            </a:r>
+            <a:endParaRPr lang="en-US" sz="1800" dirty="0">
+              <a:effectLst/>
+            </a:endParaRPr>
+          </a:p>
+          <a:p>
+            <a:pPr>
+              <a:buFont typeface="+mj-lt"/>
+              <a:buAutoNum type="arabicPeriod"/>
+            </a:pPr>
+            <a:r>
+              <a:rPr lang="en-US" sz="1800" dirty="0"/>
+              <a:t>M. Newman, </a:t>
+            </a:r>
+            <a:r>
+              <a:rPr lang="en-US" sz="1800" i="1" dirty="0"/>
+              <a:t>Computational Physics </a:t>
+            </a:r>
+            <a:r>
+              <a:rPr lang="en-US" sz="1800" dirty="0"/>
+              <a:t>(2013)</a:t>
+            </a:r>
+          </a:p>
+          <a:p>
+            <a:pPr>
+              <a:buFont typeface="+mj-lt"/>
+              <a:buAutoNum type="arabicPeriod"/>
+            </a:pPr>
+            <a:r>
+              <a:rPr lang="en-US" sz="1800" i="1" dirty="0"/>
+              <a:t>ICET-QA-036 Rev. 3, Software Control</a:t>
+            </a:r>
+          </a:p>
+          <a:p>
+            <a:pPr>
+              <a:buFont typeface="+mj-lt"/>
+              <a:buAutoNum type="arabicPeriod"/>
+            </a:pPr>
+            <a:r>
+              <a:rPr lang="en-US" sz="1800" dirty="0">
+                <a:effectLst/>
+              </a:rPr>
+              <a:t>DOE O 414.1D Quality Assurance</a:t>
+            </a:r>
+            <a:endParaRPr lang="en-US" sz="1800" i="1" dirty="0"/>
+          </a:p>
+        </p:txBody>
+      </p:sp>
+    </p:spTree>
+    <p:extLst>
+      <p:ext uri="{BB962C8B-B14F-4D97-AF65-F5344CB8AC3E}">
+        <p14:creationId xmlns:p14="http://schemas.microsoft.com/office/powerpoint/2010/main" val="4176648125"/>
       </p:ext>
     </p:extLst>
   </p:cSld>
@@ -3445,7 +3768,7 @@
           <a:p>
             <a:r>
               <a:rPr lang="en-US" dirty="0"/>
-              <a:t>Optical spectrometer using intracavity laser to measure aerosol particulate size and number concentration</a:t>
+              <a:t>Optical spectrometer using intracavity laser to measure aerosol particulate size and number concentration [1]</a:t>
             </a:r>
           </a:p>
           <a:p>
@@ -3575,7 +3898,7 @@
               <a:p>
                 <a:r>
                   <a:rPr lang="en-US" sz="2400" dirty="0"/>
-                  <a:t>Nonlinear Fit to Hind’s Frequency Function:</a:t>
+                  <a:t>Nonlinear Fit to Hind’s Frequency Function [2]:</a:t>
                 </a:r>
               </a:p>
               <a:p>
@@ -3645,14 +3968,14 @@
                 </a14:m>
                 <a:r>
                   <a:rPr lang="en-US" sz="2400" dirty="0"/>
-                  <a:t> minimization algorithm of an unbounded function</a:t>
+                  <a:t> minimization algorithm of an unbounded function [3]</a:t>
                 </a:r>
               </a:p>
               <a:p>
                 <a:pPr lvl="1"/>
                 <a:r>
                   <a:rPr lang="en-US" sz="2400" dirty="0"/>
-                  <a:t>Dogbox: Trust Region algorithm optimized for large datasets relative to number of parameters</a:t>
+                  <a:t>Dogbox: Trust Region algorithm optimized for large datasets relative to number of parameters [4]</a:t>
                 </a:r>
               </a:p>
               <a:p>
@@ -3826,7 +4149,7 @@
             </a:r>
             <a:r>
               <a:rPr lang="en-US" dirty="0"/>
-              <a:t>()</a:t>
+              <a:t>() [5]</a:t>
             </a:r>
           </a:p>
           <a:p>
@@ -3839,7 +4162,7 @@
             <a:pPr lvl="1"/>
             <a:r>
               <a:rPr lang="en-US" dirty="0"/>
-              <a:t>Trapezoidal Integration used to determine area under PSD and fit</a:t>
+              <a:t>Trapezoidal Integration used to determine area under PSD and fit [6]</a:t>
             </a:r>
           </a:p>
           <a:p>
@@ -4367,7 +4690,7 @@
           <a:p>
             <a:r>
               <a:rPr lang="en-US" i="1" dirty="0"/>
-              <a:t>ICET-QA-036 Rev. 3, Software Control</a:t>
+              <a:t>ICET-QA-036 Rev. 3, Software Control [7]</a:t>
             </a:r>
           </a:p>
         </p:txBody>
